--- a/ppt 16-9/0633.无声的赞美.pptx
+++ b/ppt 16-9/0633.无声的赞美.pptx
@@ -129,7 +129,7 @@
           <p:cNvPr id="2" name="标题 1">
             <a:extLst>
               <a:ext uri="{FF2B5EF4-FFF2-40B4-BE49-F238E27FC236}">
-                <a16:creationId xmlns:a16="http://schemas.microsoft.com/office/drawing/2014/main" id="{E587D6BB-310E-BED4-FC83-52254BC4EF21}"/>
+                <a16:creationId xmlns:a16="http://schemas.microsoft.com/office/drawing/2014/main" id="{913537F9-E8A2-F234-CF49-7DC2201284DD}"/>
               </a:ext>
             </a:extLst>
           </p:cNvPr>
@@ -166,7 +166,7 @@
           <p:cNvPr id="3" name="副标题 2">
             <a:extLst>
               <a:ext uri="{FF2B5EF4-FFF2-40B4-BE49-F238E27FC236}">
-                <a16:creationId xmlns:a16="http://schemas.microsoft.com/office/drawing/2014/main" id="{10D6F2EC-D3CB-0F4A-5C33-3DAA080CE09E}"/>
+                <a16:creationId xmlns:a16="http://schemas.microsoft.com/office/drawing/2014/main" id="{9E89E749-F9CB-FCF4-035F-88F46E4B777F}"/>
               </a:ext>
             </a:extLst>
           </p:cNvPr>
@@ -236,7 +236,7 @@
           <p:cNvPr id="4" name="日期占位符 3">
             <a:extLst>
               <a:ext uri="{FF2B5EF4-FFF2-40B4-BE49-F238E27FC236}">
-                <a16:creationId xmlns:a16="http://schemas.microsoft.com/office/drawing/2014/main" id="{DC5AFA5C-0C71-86A1-C95B-D32E21034240}"/>
+                <a16:creationId xmlns:a16="http://schemas.microsoft.com/office/drawing/2014/main" id="{7F20E9D8-5845-9D96-5C62-D2C36FF7E5FE}"/>
               </a:ext>
             </a:extLst>
           </p:cNvPr>
@@ -252,7 +252,7 @@
           <a:bodyPr/>
           <a:lstStyle/>
           <a:p>
-            <a:fld id="{DE1C3FB4-98D9-49C5-9536-149CC8AEEA52}" type="datetimeFigureOut">
+            <a:fld id="{D33DD0AA-9731-4432-A050-35CCF0EB601E}" type="datetimeFigureOut">
               <a:rPr lang="zh-CN" altLang="en-US" smtClean="0"/>
               <a:t>2024/3/10</a:t>
             </a:fld>
@@ -265,7 +265,7 @@
           <p:cNvPr id="5" name="页脚占位符 4">
             <a:extLst>
               <a:ext uri="{FF2B5EF4-FFF2-40B4-BE49-F238E27FC236}">
-                <a16:creationId xmlns:a16="http://schemas.microsoft.com/office/drawing/2014/main" id="{9828DDAB-B1D2-C25E-ED2C-C175F653C2CF}"/>
+                <a16:creationId xmlns:a16="http://schemas.microsoft.com/office/drawing/2014/main" id="{66DB1839-E3A0-FA2B-334F-0EE02513528F}"/>
               </a:ext>
             </a:extLst>
           </p:cNvPr>
@@ -290,7 +290,7 @@
           <p:cNvPr id="6" name="灯片编号占位符 5">
             <a:extLst>
               <a:ext uri="{FF2B5EF4-FFF2-40B4-BE49-F238E27FC236}">
-                <a16:creationId xmlns:a16="http://schemas.microsoft.com/office/drawing/2014/main" id="{A9CE8E91-4B2A-3AD5-1A84-665FA2AE2379}"/>
+                <a16:creationId xmlns:a16="http://schemas.microsoft.com/office/drawing/2014/main" id="{247DAFCC-38E7-A424-6D94-BD646041A0AE}"/>
               </a:ext>
             </a:extLst>
           </p:cNvPr>
@@ -306,7 +306,7 @@
           <a:bodyPr/>
           <a:lstStyle/>
           <a:p>
-            <a:fld id="{29A3F1A0-99BD-4FD6-A9AB-E0D6415B89D5}" type="slidenum">
+            <a:fld id="{45122842-DC05-40F5-974E-BE84BF7CB340}" type="slidenum">
               <a:rPr lang="zh-CN" altLang="en-US" smtClean="0"/>
               <a:t>‹#›</a:t>
             </a:fld>
@@ -317,7 +317,7 @@
     </p:spTree>
     <p:extLst>
       <p:ext uri="{BB962C8B-B14F-4D97-AF65-F5344CB8AC3E}">
-        <p14:creationId xmlns:p14="http://schemas.microsoft.com/office/powerpoint/2010/main" val="619574998"/>
+        <p14:creationId xmlns:p14="http://schemas.microsoft.com/office/powerpoint/2010/main" val="4223137571"/>
       </p:ext>
     </p:extLst>
   </p:cSld>
@@ -349,7 +349,7 @@
           <p:cNvPr id="2" name="标题 1">
             <a:extLst>
               <a:ext uri="{FF2B5EF4-FFF2-40B4-BE49-F238E27FC236}">
-                <a16:creationId xmlns:a16="http://schemas.microsoft.com/office/drawing/2014/main" id="{7C85BD3D-62C6-EA5D-D6F7-76FE11198B16}"/>
+                <a16:creationId xmlns:a16="http://schemas.microsoft.com/office/drawing/2014/main" id="{6D7C9AAE-0BB3-67AD-E272-1B7986845BF6}"/>
               </a:ext>
             </a:extLst>
           </p:cNvPr>
@@ -377,7 +377,7 @@
           <p:cNvPr id="3" name="竖排文字占位符 2">
             <a:extLst>
               <a:ext uri="{FF2B5EF4-FFF2-40B4-BE49-F238E27FC236}">
-                <a16:creationId xmlns:a16="http://schemas.microsoft.com/office/drawing/2014/main" id="{F302EEE6-1E78-B54E-CEC4-C742E2D7E9CB}"/>
+                <a16:creationId xmlns:a16="http://schemas.microsoft.com/office/drawing/2014/main" id="{A2A74311-6A28-1CE4-4736-D6C63B03C290}"/>
               </a:ext>
             </a:extLst>
           </p:cNvPr>
@@ -434,7 +434,7 @@
           <p:cNvPr id="4" name="日期占位符 3">
             <a:extLst>
               <a:ext uri="{FF2B5EF4-FFF2-40B4-BE49-F238E27FC236}">
-                <a16:creationId xmlns:a16="http://schemas.microsoft.com/office/drawing/2014/main" id="{A12A0A55-F80C-6466-9AAF-250C0C3B2189}"/>
+                <a16:creationId xmlns:a16="http://schemas.microsoft.com/office/drawing/2014/main" id="{F014F979-1CF0-5691-2694-11E096AE2D7D}"/>
               </a:ext>
             </a:extLst>
           </p:cNvPr>
@@ -450,7 +450,7 @@
           <a:bodyPr/>
           <a:lstStyle/>
           <a:p>
-            <a:fld id="{DE1C3FB4-98D9-49C5-9536-149CC8AEEA52}" type="datetimeFigureOut">
+            <a:fld id="{D33DD0AA-9731-4432-A050-35CCF0EB601E}" type="datetimeFigureOut">
               <a:rPr lang="zh-CN" altLang="en-US" smtClean="0"/>
               <a:t>2024/3/10</a:t>
             </a:fld>
@@ -463,7 +463,7 @@
           <p:cNvPr id="5" name="页脚占位符 4">
             <a:extLst>
               <a:ext uri="{FF2B5EF4-FFF2-40B4-BE49-F238E27FC236}">
-                <a16:creationId xmlns:a16="http://schemas.microsoft.com/office/drawing/2014/main" id="{6025E2C5-870A-325C-C611-2350A3E8858A}"/>
+                <a16:creationId xmlns:a16="http://schemas.microsoft.com/office/drawing/2014/main" id="{D5A2C94C-D2D1-0BA8-AB6B-FC162820D54C}"/>
               </a:ext>
             </a:extLst>
           </p:cNvPr>
@@ -488,7 +488,7 @@
           <p:cNvPr id="6" name="灯片编号占位符 5">
             <a:extLst>
               <a:ext uri="{FF2B5EF4-FFF2-40B4-BE49-F238E27FC236}">
-                <a16:creationId xmlns:a16="http://schemas.microsoft.com/office/drawing/2014/main" id="{2846D3A6-1AFE-956F-A91A-6E8B4244E8A8}"/>
+                <a16:creationId xmlns:a16="http://schemas.microsoft.com/office/drawing/2014/main" id="{A644375C-DB57-5736-2D4B-FC6A66A23F13}"/>
               </a:ext>
             </a:extLst>
           </p:cNvPr>
@@ -504,7 +504,7 @@
           <a:bodyPr/>
           <a:lstStyle/>
           <a:p>
-            <a:fld id="{29A3F1A0-99BD-4FD6-A9AB-E0D6415B89D5}" type="slidenum">
+            <a:fld id="{45122842-DC05-40F5-974E-BE84BF7CB340}" type="slidenum">
               <a:rPr lang="zh-CN" altLang="en-US" smtClean="0"/>
               <a:t>‹#›</a:t>
             </a:fld>
@@ -515,7 +515,7 @@
     </p:spTree>
     <p:extLst>
       <p:ext uri="{BB962C8B-B14F-4D97-AF65-F5344CB8AC3E}">
-        <p14:creationId xmlns:p14="http://schemas.microsoft.com/office/powerpoint/2010/main" val="1981095122"/>
+        <p14:creationId xmlns:p14="http://schemas.microsoft.com/office/powerpoint/2010/main" val="1543804843"/>
       </p:ext>
     </p:extLst>
   </p:cSld>
@@ -547,7 +547,7 @@
           <p:cNvPr id="2" name="竖排标题 1">
             <a:extLst>
               <a:ext uri="{FF2B5EF4-FFF2-40B4-BE49-F238E27FC236}">
-                <a16:creationId xmlns:a16="http://schemas.microsoft.com/office/drawing/2014/main" id="{D773D32E-172F-5C0A-3B0D-11B30D5CE1E3}"/>
+                <a16:creationId xmlns:a16="http://schemas.microsoft.com/office/drawing/2014/main" id="{E9FC3092-AE23-E762-FA49-EC4C6142F634}"/>
               </a:ext>
             </a:extLst>
           </p:cNvPr>
@@ -580,7 +580,7 @@
           <p:cNvPr id="3" name="竖排文字占位符 2">
             <a:extLst>
               <a:ext uri="{FF2B5EF4-FFF2-40B4-BE49-F238E27FC236}">
-                <a16:creationId xmlns:a16="http://schemas.microsoft.com/office/drawing/2014/main" id="{7E9B7018-0264-6DC0-3530-23FD6993970A}"/>
+                <a16:creationId xmlns:a16="http://schemas.microsoft.com/office/drawing/2014/main" id="{87152B45-8B42-AD5E-CB8C-768EA623CA0B}"/>
               </a:ext>
             </a:extLst>
           </p:cNvPr>
@@ -642,7 +642,7 @@
           <p:cNvPr id="4" name="日期占位符 3">
             <a:extLst>
               <a:ext uri="{FF2B5EF4-FFF2-40B4-BE49-F238E27FC236}">
-                <a16:creationId xmlns:a16="http://schemas.microsoft.com/office/drawing/2014/main" id="{1B4DE540-05EE-6F7C-4483-49BC38C7835F}"/>
+                <a16:creationId xmlns:a16="http://schemas.microsoft.com/office/drawing/2014/main" id="{5B073B20-9E68-23E5-6980-621D87C5B946}"/>
               </a:ext>
             </a:extLst>
           </p:cNvPr>
@@ -658,7 +658,7 @@
           <a:bodyPr/>
           <a:lstStyle/>
           <a:p>
-            <a:fld id="{DE1C3FB4-98D9-49C5-9536-149CC8AEEA52}" type="datetimeFigureOut">
+            <a:fld id="{D33DD0AA-9731-4432-A050-35CCF0EB601E}" type="datetimeFigureOut">
               <a:rPr lang="zh-CN" altLang="en-US" smtClean="0"/>
               <a:t>2024/3/10</a:t>
             </a:fld>
@@ -671,7 +671,7 @@
           <p:cNvPr id="5" name="页脚占位符 4">
             <a:extLst>
               <a:ext uri="{FF2B5EF4-FFF2-40B4-BE49-F238E27FC236}">
-                <a16:creationId xmlns:a16="http://schemas.microsoft.com/office/drawing/2014/main" id="{F3ADFF82-93FA-7CDD-823E-4AF1B8BE30E4}"/>
+                <a16:creationId xmlns:a16="http://schemas.microsoft.com/office/drawing/2014/main" id="{162E9589-5AD6-95F6-AC20-111400B5A689}"/>
               </a:ext>
             </a:extLst>
           </p:cNvPr>
@@ -696,7 +696,7 @@
           <p:cNvPr id="6" name="灯片编号占位符 5">
             <a:extLst>
               <a:ext uri="{FF2B5EF4-FFF2-40B4-BE49-F238E27FC236}">
-                <a16:creationId xmlns:a16="http://schemas.microsoft.com/office/drawing/2014/main" id="{CA5CB16D-6CD5-1CBD-70D0-DE2D7B6D102C}"/>
+                <a16:creationId xmlns:a16="http://schemas.microsoft.com/office/drawing/2014/main" id="{DB6B9CCE-72FA-F1A4-DD69-591627F08BC0}"/>
               </a:ext>
             </a:extLst>
           </p:cNvPr>
@@ -712,7 +712,7 @@
           <a:bodyPr/>
           <a:lstStyle/>
           <a:p>
-            <a:fld id="{29A3F1A0-99BD-4FD6-A9AB-E0D6415B89D5}" type="slidenum">
+            <a:fld id="{45122842-DC05-40F5-974E-BE84BF7CB340}" type="slidenum">
               <a:rPr lang="zh-CN" altLang="en-US" smtClean="0"/>
               <a:t>‹#›</a:t>
             </a:fld>
@@ -723,7 +723,7 @@
     </p:spTree>
     <p:extLst>
       <p:ext uri="{BB962C8B-B14F-4D97-AF65-F5344CB8AC3E}">
-        <p14:creationId xmlns:p14="http://schemas.microsoft.com/office/powerpoint/2010/main" val="2864796780"/>
+        <p14:creationId xmlns:p14="http://schemas.microsoft.com/office/powerpoint/2010/main" val="2039096157"/>
       </p:ext>
     </p:extLst>
   </p:cSld>
@@ -755,7 +755,7 @@
           <p:cNvPr id="2" name="标题 1">
             <a:extLst>
               <a:ext uri="{FF2B5EF4-FFF2-40B4-BE49-F238E27FC236}">
-                <a16:creationId xmlns:a16="http://schemas.microsoft.com/office/drawing/2014/main" id="{6BEA990F-5F68-0C2B-0DF6-456E036CAE60}"/>
+                <a16:creationId xmlns:a16="http://schemas.microsoft.com/office/drawing/2014/main" id="{19798F4E-7A22-CBAE-07DA-6BD5F1C865B4}"/>
               </a:ext>
             </a:extLst>
           </p:cNvPr>
@@ -783,7 +783,7 @@
           <p:cNvPr id="3" name="内容占位符 2">
             <a:extLst>
               <a:ext uri="{FF2B5EF4-FFF2-40B4-BE49-F238E27FC236}">
-                <a16:creationId xmlns:a16="http://schemas.microsoft.com/office/drawing/2014/main" id="{734349C0-EC4D-49C6-67C8-3A7E9E0494CA}"/>
+                <a16:creationId xmlns:a16="http://schemas.microsoft.com/office/drawing/2014/main" id="{DD9C82B9-A10B-50A8-C59E-0674E57FF610}"/>
               </a:ext>
             </a:extLst>
           </p:cNvPr>
@@ -840,7 +840,7 @@
           <p:cNvPr id="4" name="日期占位符 3">
             <a:extLst>
               <a:ext uri="{FF2B5EF4-FFF2-40B4-BE49-F238E27FC236}">
-                <a16:creationId xmlns:a16="http://schemas.microsoft.com/office/drawing/2014/main" id="{BC06EA32-08E7-BDC0-30A6-0D175D9FCBD9}"/>
+                <a16:creationId xmlns:a16="http://schemas.microsoft.com/office/drawing/2014/main" id="{C761A600-156D-AF61-CA33-F5761122DCE1}"/>
               </a:ext>
             </a:extLst>
           </p:cNvPr>
@@ -856,7 +856,7 @@
           <a:bodyPr/>
           <a:lstStyle/>
           <a:p>
-            <a:fld id="{DE1C3FB4-98D9-49C5-9536-149CC8AEEA52}" type="datetimeFigureOut">
+            <a:fld id="{D33DD0AA-9731-4432-A050-35CCF0EB601E}" type="datetimeFigureOut">
               <a:rPr lang="zh-CN" altLang="en-US" smtClean="0"/>
               <a:t>2024/3/10</a:t>
             </a:fld>
@@ -869,7 +869,7 @@
           <p:cNvPr id="5" name="页脚占位符 4">
             <a:extLst>
               <a:ext uri="{FF2B5EF4-FFF2-40B4-BE49-F238E27FC236}">
-                <a16:creationId xmlns:a16="http://schemas.microsoft.com/office/drawing/2014/main" id="{01BD2116-6EF9-6F4E-1B93-9A76EA96845C}"/>
+                <a16:creationId xmlns:a16="http://schemas.microsoft.com/office/drawing/2014/main" id="{73E3A8C9-2B87-D322-A9EA-553E11CB84B2}"/>
               </a:ext>
             </a:extLst>
           </p:cNvPr>
@@ -894,7 +894,7 @@
           <p:cNvPr id="6" name="灯片编号占位符 5">
             <a:extLst>
               <a:ext uri="{FF2B5EF4-FFF2-40B4-BE49-F238E27FC236}">
-                <a16:creationId xmlns:a16="http://schemas.microsoft.com/office/drawing/2014/main" id="{1A46FB6F-5EB6-B6F1-1F96-D654B9C5B4A5}"/>
+                <a16:creationId xmlns:a16="http://schemas.microsoft.com/office/drawing/2014/main" id="{46B7BD26-B35B-2489-AF0E-80A88DEB3C07}"/>
               </a:ext>
             </a:extLst>
           </p:cNvPr>
@@ -910,7 +910,7 @@
           <a:bodyPr/>
           <a:lstStyle/>
           <a:p>
-            <a:fld id="{29A3F1A0-99BD-4FD6-A9AB-E0D6415B89D5}" type="slidenum">
+            <a:fld id="{45122842-DC05-40F5-974E-BE84BF7CB340}" type="slidenum">
               <a:rPr lang="zh-CN" altLang="en-US" smtClean="0"/>
               <a:t>‹#›</a:t>
             </a:fld>
@@ -921,7 +921,7 @@
     </p:spTree>
     <p:extLst>
       <p:ext uri="{BB962C8B-B14F-4D97-AF65-F5344CB8AC3E}">
-        <p14:creationId xmlns:p14="http://schemas.microsoft.com/office/powerpoint/2010/main" val="3456380686"/>
+        <p14:creationId xmlns:p14="http://schemas.microsoft.com/office/powerpoint/2010/main" val="3540658440"/>
       </p:ext>
     </p:extLst>
   </p:cSld>
@@ -953,7 +953,7 @@
           <p:cNvPr id="2" name="标题 1">
             <a:extLst>
               <a:ext uri="{FF2B5EF4-FFF2-40B4-BE49-F238E27FC236}">
-                <a16:creationId xmlns:a16="http://schemas.microsoft.com/office/drawing/2014/main" id="{FD707EBB-EB5E-4C76-1D5E-EB912B06F89D}"/>
+                <a16:creationId xmlns:a16="http://schemas.microsoft.com/office/drawing/2014/main" id="{43EC45BC-DA9D-3416-69F1-A2D992B61A9E}"/>
               </a:ext>
             </a:extLst>
           </p:cNvPr>
@@ -990,7 +990,7 @@
           <p:cNvPr id="3" name="文本占位符 2">
             <a:extLst>
               <a:ext uri="{FF2B5EF4-FFF2-40B4-BE49-F238E27FC236}">
-                <a16:creationId xmlns:a16="http://schemas.microsoft.com/office/drawing/2014/main" id="{1EB432D2-052F-2639-AE7B-0D27F12E220E}"/>
+                <a16:creationId xmlns:a16="http://schemas.microsoft.com/office/drawing/2014/main" id="{E128896F-213F-AB42-F731-202F11E2B8B5}"/>
               </a:ext>
             </a:extLst>
           </p:cNvPr>
@@ -1115,7 +1115,7 @@
           <p:cNvPr id="4" name="日期占位符 3">
             <a:extLst>
               <a:ext uri="{FF2B5EF4-FFF2-40B4-BE49-F238E27FC236}">
-                <a16:creationId xmlns:a16="http://schemas.microsoft.com/office/drawing/2014/main" id="{2FBA0F3F-CBC4-42D7-1029-E6ABAA56725B}"/>
+                <a16:creationId xmlns:a16="http://schemas.microsoft.com/office/drawing/2014/main" id="{9028F9AC-D7D1-596B-F1D7-487A33833CA5}"/>
               </a:ext>
             </a:extLst>
           </p:cNvPr>
@@ -1131,7 +1131,7 @@
           <a:bodyPr/>
           <a:lstStyle/>
           <a:p>
-            <a:fld id="{DE1C3FB4-98D9-49C5-9536-149CC8AEEA52}" type="datetimeFigureOut">
+            <a:fld id="{D33DD0AA-9731-4432-A050-35CCF0EB601E}" type="datetimeFigureOut">
               <a:rPr lang="zh-CN" altLang="en-US" smtClean="0"/>
               <a:t>2024/3/10</a:t>
             </a:fld>
@@ -1144,7 +1144,7 @@
           <p:cNvPr id="5" name="页脚占位符 4">
             <a:extLst>
               <a:ext uri="{FF2B5EF4-FFF2-40B4-BE49-F238E27FC236}">
-                <a16:creationId xmlns:a16="http://schemas.microsoft.com/office/drawing/2014/main" id="{1F119A05-C7BD-CAC1-0DC5-226165EBC275}"/>
+                <a16:creationId xmlns:a16="http://schemas.microsoft.com/office/drawing/2014/main" id="{7DF897C8-A65E-FA7F-88E0-00879AF087AB}"/>
               </a:ext>
             </a:extLst>
           </p:cNvPr>
@@ -1169,7 +1169,7 @@
           <p:cNvPr id="6" name="灯片编号占位符 5">
             <a:extLst>
               <a:ext uri="{FF2B5EF4-FFF2-40B4-BE49-F238E27FC236}">
-                <a16:creationId xmlns:a16="http://schemas.microsoft.com/office/drawing/2014/main" id="{D0C01184-9C0A-F439-9D7E-B70132EE320F}"/>
+                <a16:creationId xmlns:a16="http://schemas.microsoft.com/office/drawing/2014/main" id="{663F9E93-022A-F124-6BD4-E23E421FB636}"/>
               </a:ext>
             </a:extLst>
           </p:cNvPr>
@@ -1185,7 +1185,7 @@
           <a:bodyPr/>
           <a:lstStyle/>
           <a:p>
-            <a:fld id="{29A3F1A0-99BD-4FD6-A9AB-E0D6415B89D5}" type="slidenum">
+            <a:fld id="{45122842-DC05-40F5-974E-BE84BF7CB340}" type="slidenum">
               <a:rPr lang="zh-CN" altLang="en-US" smtClean="0"/>
               <a:t>‹#›</a:t>
             </a:fld>
@@ -1196,7 +1196,7 @@
     </p:spTree>
     <p:extLst>
       <p:ext uri="{BB962C8B-B14F-4D97-AF65-F5344CB8AC3E}">
-        <p14:creationId xmlns:p14="http://schemas.microsoft.com/office/powerpoint/2010/main" val="1245569050"/>
+        <p14:creationId xmlns:p14="http://schemas.microsoft.com/office/powerpoint/2010/main" val="2243132214"/>
       </p:ext>
     </p:extLst>
   </p:cSld>
@@ -1228,7 +1228,7 @@
           <p:cNvPr id="2" name="标题 1">
             <a:extLst>
               <a:ext uri="{FF2B5EF4-FFF2-40B4-BE49-F238E27FC236}">
-                <a16:creationId xmlns:a16="http://schemas.microsoft.com/office/drawing/2014/main" id="{BCDEA45A-D459-2B88-F2E4-651F9A957FA9}"/>
+                <a16:creationId xmlns:a16="http://schemas.microsoft.com/office/drawing/2014/main" id="{82C7CCEF-4534-7484-3FE8-3E99477E73B4}"/>
               </a:ext>
             </a:extLst>
           </p:cNvPr>
@@ -1256,7 +1256,7 @@
           <p:cNvPr id="3" name="内容占位符 2">
             <a:extLst>
               <a:ext uri="{FF2B5EF4-FFF2-40B4-BE49-F238E27FC236}">
-                <a16:creationId xmlns:a16="http://schemas.microsoft.com/office/drawing/2014/main" id="{405D4EA0-4AB0-C921-ACB4-DB6C13068F08}"/>
+                <a16:creationId xmlns:a16="http://schemas.microsoft.com/office/drawing/2014/main" id="{F3343D10-5141-50C2-7D2C-D7DB72D3317D}"/>
               </a:ext>
             </a:extLst>
           </p:cNvPr>
@@ -1318,7 +1318,7 @@
           <p:cNvPr id="4" name="内容占位符 3">
             <a:extLst>
               <a:ext uri="{FF2B5EF4-FFF2-40B4-BE49-F238E27FC236}">
-                <a16:creationId xmlns:a16="http://schemas.microsoft.com/office/drawing/2014/main" id="{8AD46A4D-E1C5-7963-0A19-36A1787D8B6A}"/>
+                <a16:creationId xmlns:a16="http://schemas.microsoft.com/office/drawing/2014/main" id="{98F9A1B0-DD26-65CC-51D1-E6D1DB433B84}"/>
               </a:ext>
             </a:extLst>
           </p:cNvPr>
@@ -1380,7 +1380,7 @@
           <p:cNvPr id="5" name="日期占位符 4">
             <a:extLst>
               <a:ext uri="{FF2B5EF4-FFF2-40B4-BE49-F238E27FC236}">
-                <a16:creationId xmlns:a16="http://schemas.microsoft.com/office/drawing/2014/main" id="{E84ABFC4-45F7-1842-6E32-8B8CD4EE5929}"/>
+                <a16:creationId xmlns:a16="http://schemas.microsoft.com/office/drawing/2014/main" id="{7799EFDA-F793-8A6F-BABE-A1AB22F90907}"/>
               </a:ext>
             </a:extLst>
           </p:cNvPr>
@@ -1396,7 +1396,7 @@
           <a:bodyPr/>
           <a:lstStyle/>
           <a:p>
-            <a:fld id="{DE1C3FB4-98D9-49C5-9536-149CC8AEEA52}" type="datetimeFigureOut">
+            <a:fld id="{D33DD0AA-9731-4432-A050-35CCF0EB601E}" type="datetimeFigureOut">
               <a:rPr lang="zh-CN" altLang="en-US" smtClean="0"/>
               <a:t>2024/3/10</a:t>
             </a:fld>
@@ -1409,7 +1409,7 @@
           <p:cNvPr id="6" name="页脚占位符 5">
             <a:extLst>
               <a:ext uri="{FF2B5EF4-FFF2-40B4-BE49-F238E27FC236}">
-                <a16:creationId xmlns:a16="http://schemas.microsoft.com/office/drawing/2014/main" id="{FB9C1FAD-F2A3-0105-A18A-BB29C554E89B}"/>
+                <a16:creationId xmlns:a16="http://schemas.microsoft.com/office/drawing/2014/main" id="{ECF6CAA7-C08F-2C83-7D9A-A183E23A001C}"/>
               </a:ext>
             </a:extLst>
           </p:cNvPr>
@@ -1434,7 +1434,7 @@
           <p:cNvPr id="7" name="灯片编号占位符 6">
             <a:extLst>
               <a:ext uri="{FF2B5EF4-FFF2-40B4-BE49-F238E27FC236}">
-                <a16:creationId xmlns:a16="http://schemas.microsoft.com/office/drawing/2014/main" id="{8F0B3E3F-56F5-6F88-763F-6FF3DD01140E}"/>
+                <a16:creationId xmlns:a16="http://schemas.microsoft.com/office/drawing/2014/main" id="{350DC2DA-33A0-9732-05E9-B5E01F67F909}"/>
               </a:ext>
             </a:extLst>
           </p:cNvPr>
@@ -1450,7 +1450,7 @@
           <a:bodyPr/>
           <a:lstStyle/>
           <a:p>
-            <a:fld id="{29A3F1A0-99BD-4FD6-A9AB-E0D6415B89D5}" type="slidenum">
+            <a:fld id="{45122842-DC05-40F5-974E-BE84BF7CB340}" type="slidenum">
               <a:rPr lang="zh-CN" altLang="en-US" smtClean="0"/>
               <a:t>‹#›</a:t>
             </a:fld>
@@ -1461,7 +1461,7 @@
     </p:spTree>
     <p:extLst>
       <p:ext uri="{BB962C8B-B14F-4D97-AF65-F5344CB8AC3E}">
-        <p14:creationId xmlns:p14="http://schemas.microsoft.com/office/powerpoint/2010/main" val="4272470655"/>
+        <p14:creationId xmlns:p14="http://schemas.microsoft.com/office/powerpoint/2010/main" val="304439471"/>
       </p:ext>
     </p:extLst>
   </p:cSld>
@@ -1493,7 +1493,7 @@
           <p:cNvPr id="2" name="标题 1">
             <a:extLst>
               <a:ext uri="{FF2B5EF4-FFF2-40B4-BE49-F238E27FC236}">
-                <a16:creationId xmlns:a16="http://schemas.microsoft.com/office/drawing/2014/main" id="{C434E3C5-D177-CA1F-BC1E-5D2BCCED5175}"/>
+                <a16:creationId xmlns:a16="http://schemas.microsoft.com/office/drawing/2014/main" id="{2798FD5C-40C2-6F22-4771-12177EC282A0}"/>
               </a:ext>
             </a:extLst>
           </p:cNvPr>
@@ -1526,7 +1526,7 @@
           <p:cNvPr id="3" name="文本占位符 2">
             <a:extLst>
               <a:ext uri="{FF2B5EF4-FFF2-40B4-BE49-F238E27FC236}">
-                <a16:creationId xmlns:a16="http://schemas.microsoft.com/office/drawing/2014/main" id="{355004DE-7945-6B25-FD68-A12CC8117430}"/>
+                <a16:creationId xmlns:a16="http://schemas.microsoft.com/office/drawing/2014/main" id="{43D56D39-3DF0-C0C7-2F45-6BE900FFC2A8}"/>
               </a:ext>
             </a:extLst>
           </p:cNvPr>
@@ -1597,7 +1597,7 @@
           <p:cNvPr id="4" name="内容占位符 3">
             <a:extLst>
               <a:ext uri="{FF2B5EF4-FFF2-40B4-BE49-F238E27FC236}">
-                <a16:creationId xmlns:a16="http://schemas.microsoft.com/office/drawing/2014/main" id="{7D1A9675-B484-2C34-8640-C1F960D38D9B}"/>
+                <a16:creationId xmlns:a16="http://schemas.microsoft.com/office/drawing/2014/main" id="{2D350214-6007-CD16-8E5A-55D42BB4AC62}"/>
               </a:ext>
             </a:extLst>
           </p:cNvPr>
@@ -1659,7 +1659,7 @@
           <p:cNvPr id="5" name="文本占位符 4">
             <a:extLst>
               <a:ext uri="{FF2B5EF4-FFF2-40B4-BE49-F238E27FC236}">
-                <a16:creationId xmlns:a16="http://schemas.microsoft.com/office/drawing/2014/main" id="{DB938CBB-0097-3B34-A0C8-AA25E87C00A4}"/>
+                <a16:creationId xmlns:a16="http://schemas.microsoft.com/office/drawing/2014/main" id="{6F2C04A5-9133-AB7A-5C9B-CDA0EFF977EC}"/>
               </a:ext>
             </a:extLst>
           </p:cNvPr>
@@ -1730,7 +1730,7 @@
           <p:cNvPr id="6" name="内容占位符 5">
             <a:extLst>
               <a:ext uri="{FF2B5EF4-FFF2-40B4-BE49-F238E27FC236}">
-                <a16:creationId xmlns:a16="http://schemas.microsoft.com/office/drawing/2014/main" id="{5513CF0D-9141-14F1-CFFC-87ED974DC910}"/>
+                <a16:creationId xmlns:a16="http://schemas.microsoft.com/office/drawing/2014/main" id="{E4ADBC22-1938-79F3-527E-22B395CA3876}"/>
               </a:ext>
             </a:extLst>
           </p:cNvPr>
@@ -1792,7 +1792,7 @@
           <p:cNvPr id="7" name="日期占位符 6">
             <a:extLst>
               <a:ext uri="{FF2B5EF4-FFF2-40B4-BE49-F238E27FC236}">
-                <a16:creationId xmlns:a16="http://schemas.microsoft.com/office/drawing/2014/main" id="{33B0BC2A-4CA3-27D2-34CC-92C65C0B390A}"/>
+                <a16:creationId xmlns:a16="http://schemas.microsoft.com/office/drawing/2014/main" id="{E876A1BD-9AAB-BC9D-A691-F6B93AC4D447}"/>
               </a:ext>
             </a:extLst>
           </p:cNvPr>
@@ -1808,7 +1808,7 @@
           <a:bodyPr/>
           <a:lstStyle/>
           <a:p>
-            <a:fld id="{DE1C3FB4-98D9-49C5-9536-149CC8AEEA52}" type="datetimeFigureOut">
+            <a:fld id="{D33DD0AA-9731-4432-A050-35CCF0EB601E}" type="datetimeFigureOut">
               <a:rPr lang="zh-CN" altLang="en-US" smtClean="0"/>
               <a:t>2024/3/10</a:t>
             </a:fld>
@@ -1821,7 +1821,7 @@
           <p:cNvPr id="8" name="页脚占位符 7">
             <a:extLst>
               <a:ext uri="{FF2B5EF4-FFF2-40B4-BE49-F238E27FC236}">
-                <a16:creationId xmlns:a16="http://schemas.microsoft.com/office/drawing/2014/main" id="{EF71CA51-86C7-705C-4237-986D838AB49F}"/>
+                <a16:creationId xmlns:a16="http://schemas.microsoft.com/office/drawing/2014/main" id="{D64B50E2-DEBA-ADB7-745A-1ACE4EDDBAA0}"/>
               </a:ext>
             </a:extLst>
           </p:cNvPr>
@@ -1846,7 +1846,7 @@
           <p:cNvPr id="9" name="灯片编号占位符 8">
             <a:extLst>
               <a:ext uri="{FF2B5EF4-FFF2-40B4-BE49-F238E27FC236}">
-                <a16:creationId xmlns:a16="http://schemas.microsoft.com/office/drawing/2014/main" id="{9A3820DD-BA47-B87A-9FB4-1B297C656A47}"/>
+                <a16:creationId xmlns:a16="http://schemas.microsoft.com/office/drawing/2014/main" id="{4079CF79-63A2-DA6A-59DA-8426D6D992DF}"/>
               </a:ext>
             </a:extLst>
           </p:cNvPr>
@@ -1862,7 +1862,7 @@
           <a:bodyPr/>
           <a:lstStyle/>
           <a:p>
-            <a:fld id="{29A3F1A0-99BD-4FD6-A9AB-E0D6415B89D5}" type="slidenum">
+            <a:fld id="{45122842-DC05-40F5-974E-BE84BF7CB340}" type="slidenum">
               <a:rPr lang="zh-CN" altLang="en-US" smtClean="0"/>
               <a:t>‹#›</a:t>
             </a:fld>
@@ -1873,7 +1873,7 @@
     </p:spTree>
     <p:extLst>
       <p:ext uri="{BB962C8B-B14F-4D97-AF65-F5344CB8AC3E}">
-        <p14:creationId xmlns:p14="http://schemas.microsoft.com/office/powerpoint/2010/main" val="142882277"/>
+        <p14:creationId xmlns:p14="http://schemas.microsoft.com/office/powerpoint/2010/main" val="361035895"/>
       </p:ext>
     </p:extLst>
   </p:cSld>
@@ -1905,7 +1905,7 @@
           <p:cNvPr id="2" name="标题 1">
             <a:extLst>
               <a:ext uri="{FF2B5EF4-FFF2-40B4-BE49-F238E27FC236}">
-                <a16:creationId xmlns:a16="http://schemas.microsoft.com/office/drawing/2014/main" id="{FC4AA2F1-7515-4325-8F23-F86126365E36}"/>
+                <a16:creationId xmlns:a16="http://schemas.microsoft.com/office/drawing/2014/main" id="{28E8244F-A91A-AC35-8A65-665056058110}"/>
               </a:ext>
             </a:extLst>
           </p:cNvPr>
@@ -1933,7 +1933,7 @@
           <p:cNvPr id="3" name="日期占位符 2">
             <a:extLst>
               <a:ext uri="{FF2B5EF4-FFF2-40B4-BE49-F238E27FC236}">
-                <a16:creationId xmlns:a16="http://schemas.microsoft.com/office/drawing/2014/main" id="{FC9961D9-22CF-264E-F9F8-997B2C44BBC4}"/>
+                <a16:creationId xmlns:a16="http://schemas.microsoft.com/office/drawing/2014/main" id="{33C52FB2-E98B-874B-2469-0C76594E4EEF}"/>
               </a:ext>
             </a:extLst>
           </p:cNvPr>
@@ -1949,7 +1949,7 @@
           <a:bodyPr/>
           <a:lstStyle/>
           <a:p>
-            <a:fld id="{DE1C3FB4-98D9-49C5-9536-149CC8AEEA52}" type="datetimeFigureOut">
+            <a:fld id="{D33DD0AA-9731-4432-A050-35CCF0EB601E}" type="datetimeFigureOut">
               <a:rPr lang="zh-CN" altLang="en-US" smtClean="0"/>
               <a:t>2024/3/10</a:t>
             </a:fld>
@@ -1962,7 +1962,7 @@
           <p:cNvPr id="4" name="页脚占位符 3">
             <a:extLst>
               <a:ext uri="{FF2B5EF4-FFF2-40B4-BE49-F238E27FC236}">
-                <a16:creationId xmlns:a16="http://schemas.microsoft.com/office/drawing/2014/main" id="{B901B87A-BEF8-CEA9-F3A4-EB3A73B465CF}"/>
+                <a16:creationId xmlns:a16="http://schemas.microsoft.com/office/drawing/2014/main" id="{8789B45A-8D7F-CAA2-FAB3-78EDAE4A2644}"/>
               </a:ext>
             </a:extLst>
           </p:cNvPr>
@@ -1987,7 +1987,7 @@
           <p:cNvPr id="5" name="灯片编号占位符 4">
             <a:extLst>
               <a:ext uri="{FF2B5EF4-FFF2-40B4-BE49-F238E27FC236}">
-                <a16:creationId xmlns:a16="http://schemas.microsoft.com/office/drawing/2014/main" id="{FCC0082B-0A60-7201-FFCC-67EB717DB567}"/>
+                <a16:creationId xmlns:a16="http://schemas.microsoft.com/office/drawing/2014/main" id="{336D93B2-5E05-8B32-EBDA-C6C4713CC0B3}"/>
               </a:ext>
             </a:extLst>
           </p:cNvPr>
@@ -2003,7 +2003,7 @@
           <a:bodyPr/>
           <a:lstStyle/>
           <a:p>
-            <a:fld id="{29A3F1A0-99BD-4FD6-A9AB-E0D6415B89D5}" type="slidenum">
+            <a:fld id="{45122842-DC05-40F5-974E-BE84BF7CB340}" type="slidenum">
               <a:rPr lang="zh-CN" altLang="en-US" smtClean="0"/>
               <a:t>‹#›</a:t>
             </a:fld>
@@ -2014,7 +2014,7 @@
     </p:spTree>
     <p:extLst>
       <p:ext uri="{BB962C8B-B14F-4D97-AF65-F5344CB8AC3E}">
-        <p14:creationId xmlns:p14="http://schemas.microsoft.com/office/powerpoint/2010/main" val="3841638278"/>
+        <p14:creationId xmlns:p14="http://schemas.microsoft.com/office/powerpoint/2010/main" val="2396859642"/>
       </p:ext>
     </p:extLst>
   </p:cSld>
@@ -2046,7 +2046,7 @@
           <p:cNvPr id="2" name="日期占位符 1">
             <a:extLst>
               <a:ext uri="{FF2B5EF4-FFF2-40B4-BE49-F238E27FC236}">
-                <a16:creationId xmlns:a16="http://schemas.microsoft.com/office/drawing/2014/main" id="{E28AEACC-FF51-4BB3-3A24-BC24B4AB0E5E}"/>
+                <a16:creationId xmlns:a16="http://schemas.microsoft.com/office/drawing/2014/main" id="{A9C7089B-E857-8C40-5628-92DB68334108}"/>
               </a:ext>
             </a:extLst>
           </p:cNvPr>
@@ -2062,7 +2062,7 @@
           <a:bodyPr/>
           <a:lstStyle/>
           <a:p>
-            <a:fld id="{DE1C3FB4-98D9-49C5-9536-149CC8AEEA52}" type="datetimeFigureOut">
+            <a:fld id="{D33DD0AA-9731-4432-A050-35CCF0EB601E}" type="datetimeFigureOut">
               <a:rPr lang="zh-CN" altLang="en-US" smtClean="0"/>
               <a:t>2024/3/10</a:t>
             </a:fld>
@@ -2075,7 +2075,7 @@
           <p:cNvPr id="3" name="页脚占位符 2">
             <a:extLst>
               <a:ext uri="{FF2B5EF4-FFF2-40B4-BE49-F238E27FC236}">
-                <a16:creationId xmlns:a16="http://schemas.microsoft.com/office/drawing/2014/main" id="{65B28972-9D78-AFED-0B9C-A72187E3B68F}"/>
+                <a16:creationId xmlns:a16="http://schemas.microsoft.com/office/drawing/2014/main" id="{FA724F8B-C206-EFB8-6664-E3C7DC1130DA}"/>
               </a:ext>
             </a:extLst>
           </p:cNvPr>
@@ -2100,7 +2100,7 @@
           <p:cNvPr id="4" name="灯片编号占位符 3">
             <a:extLst>
               <a:ext uri="{FF2B5EF4-FFF2-40B4-BE49-F238E27FC236}">
-                <a16:creationId xmlns:a16="http://schemas.microsoft.com/office/drawing/2014/main" id="{9AA7E66E-FECD-CFCE-6D58-0E9C56443E9E}"/>
+                <a16:creationId xmlns:a16="http://schemas.microsoft.com/office/drawing/2014/main" id="{C491EC3E-0DA3-D075-B509-6106789A1F4C}"/>
               </a:ext>
             </a:extLst>
           </p:cNvPr>
@@ -2116,7 +2116,7 @@
           <a:bodyPr/>
           <a:lstStyle/>
           <a:p>
-            <a:fld id="{29A3F1A0-99BD-4FD6-A9AB-E0D6415B89D5}" type="slidenum">
+            <a:fld id="{45122842-DC05-40F5-974E-BE84BF7CB340}" type="slidenum">
               <a:rPr lang="zh-CN" altLang="en-US" smtClean="0"/>
               <a:t>‹#›</a:t>
             </a:fld>
@@ -2127,7 +2127,7 @@
     </p:spTree>
     <p:extLst>
       <p:ext uri="{BB962C8B-B14F-4D97-AF65-F5344CB8AC3E}">
-        <p14:creationId xmlns:p14="http://schemas.microsoft.com/office/powerpoint/2010/main" val="357232762"/>
+        <p14:creationId xmlns:p14="http://schemas.microsoft.com/office/powerpoint/2010/main" val="4187205830"/>
       </p:ext>
     </p:extLst>
   </p:cSld>
@@ -2159,7 +2159,7 @@
           <p:cNvPr id="2" name="标题 1">
             <a:extLst>
               <a:ext uri="{FF2B5EF4-FFF2-40B4-BE49-F238E27FC236}">
-                <a16:creationId xmlns:a16="http://schemas.microsoft.com/office/drawing/2014/main" id="{162350FB-D194-40DB-8460-D43343E45207}"/>
+                <a16:creationId xmlns:a16="http://schemas.microsoft.com/office/drawing/2014/main" id="{151342AB-ABC2-2F9E-F736-BB0C4B5EFE38}"/>
               </a:ext>
             </a:extLst>
           </p:cNvPr>
@@ -2196,7 +2196,7 @@
           <p:cNvPr id="3" name="内容占位符 2">
             <a:extLst>
               <a:ext uri="{FF2B5EF4-FFF2-40B4-BE49-F238E27FC236}">
-                <a16:creationId xmlns:a16="http://schemas.microsoft.com/office/drawing/2014/main" id="{96197EDC-C28E-2202-D722-449C715E85BF}"/>
+                <a16:creationId xmlns:a16="http://schemas.microsoft.com/office/drawing/2014/main" id="{9A3D55A1-D8B5-DE70-F2AD-6BD7CED31C91}"/>
               </a:ext>
             </a:extLst>
           </p:cNvPr>
@@ -2286,7 +2286,7 @@
           <p:cNvPr id="4" name="文本占位符 3">
             <a:extLst>
               <a:ext uri="{FF2B5EF4-FFF2-40B4-BE49-F238E27FC236}">
-                <a16:creationId xmlns:a16="http://schemas.microsoft.com/office/drawing/2014/main" id="{F52D5758-9231-D634-C49A-C40429EF3DD2}"/>
+                <a16:creationId xmlns:a16="http://schemas.microsoft.com/office/drawing/2014/main" id="{A038DF04-E775-D1D7-189B-4CA9E93913DA}"/>
               </a:ext>
             </a:extLst>
           </p:cNvPr>
@@ -2357,7 +2357,7 @@
           <p:cNvPr id="5" name="日期占位符 4">
             <a:extLst>
               <a:ext uri="{FF2B5EF4-FFF2-40B4-BE49-F238E27FC236}">
-                <a16:creationId xmlns:a16="http://schemas.microsoft.com/office/drawing/2014/main" id="{B60BC713-75A4-407C-D205-250E87C456D3}"/>
+                <a16:creationId xmlns:a16="http://schemas.microsoft.com/office/drawing/2014/main" id="{B392DD88-EC5F-1F0E-EFC0-3C14D6EFC354}"/>
               </a:ext>
             </a:extLst>
           </p:cNvPr>
@@ -2373,7 +2373,7 @@
           <a:bodyPr/>
           <a:lstStyle/>
           <a:p>
-            <a:fld id="{DE1C3FB4-98D9-49C5-9536-149CC8AEEA52}" type="datetimeFigureOut">
+            <a:fld id="{D33DD0AA-9731-4432-A050-35CCF0EB601E}" type="datetimeFigureOut">
               <a:rPr lang="zh-CN" altLang="en-US" smtClean="0"/>
               <a:t>2024/3/10</a:t>
             </a:fld>
@@ -2386,7 +2386,7 @@
           <p:cNvPr id="6" name="页脚占位符 5">
             <a:extLst>
               <a:ext uri="{FF2B5EF4-FFF2-40B4-BE49-F238E27FC236}">
-                <a16:creationId xmlns:a16="http://schemas.microsoft.com/office/drawing/2014/main" id="{334DFF83-0C3F-FAFB-7714-A47E15F5F157}"/>
+                <a16:creationId xmlns:a16="http://schemas.microsoft.com/office/drawing/2014/main" id="{15A4DCD2-1A85-F4ED-783C-C47297D5B0A9}"/>
               </a:ext>
             </a:extLst>
           </p:cNvPr>
@@ -2411,7 +2411,7 @@
           <p:cNvPr id="7" name="灯片编号占位符 6">
             <a:extLst>
               <a:ext uri="{FF2B5EF4-FFF2-40B4-BE49-F238E27FC236}">
-                <a16:creationId xmlns:a16="http://schemas.microsoft.com/office/drawing/2014/main" id="{783A7E6B-47B1-882B-FCF5-C666B4156FFD}"/>
+                <a16:creationId xmlns:a16="http://schemas.microsoft.com/office/drawing/2014/main" id="{C1BEBCA9-CB7D-0F51-58FC-A7B6321B81A9}"/>
               </a:ext>
             </a:extLst>
           </p:cNvPr>
@@ -2427,7 +2427,7 @@
           <a:bodyPr/>
           <a:lstStyle/>
           <a:p>
-            <a:fld id="{29A3F1A0-99BD-4FD6-A9AB-E0D6415B89D5}" type="slidenum">
+            <a:fld id="{45122842-DC05-40F5-974E-BE84BF7CB340}" type="slidenum">
               <a:rPr lang="zh-CN" altLang="en-US" smtClean="0"/>
               <a:t>‹#›</a:t>
             </a:fld>
@@ -2438,7 +2438,7 @@
     </p:spTree>
     <p:extLst>
       <p:ext uri="{BB962C8B-B14F-4D97-AF65-F5344CB8AC3E}">
-        <p14:creationId xmlns:p14="http://schemas.microsoft.com/office/powerpoint/2010/main" val="3244789570"/>
+        <p14:creationId xmlns:p14="http://schemas.microsoft.com/office/powerpoint/2010/main" val="3999034802"/>
       </p:ext>
     </p:extLst>
   </p:cSld>
@@ -2470,7 +2470,7 @@
           <p:cNvPr id="2" name="标题 1">
             <a:extLst>
               <a:ext uri="{FF2B5EF4-FFF2-40B4-BE49-F238E27FC236}">
-                <a16:creationId xmlns:a16="http://schemas.microsoft.com/office/drawing/2014/main" id="{10D43B6F-29D5-A59D-0F67-64EC695E2007}"/>
+                <a16:creationId xmlns:a16="http://schemas.microsoft.com/office/drawing/2014/main" id="{091C8839-F4C3-80E8-EEFD-22BD95B8E7F1}"/>
               </a:ext>
             </a:extLst>
           </p:cNvPr>
@@ -2507,7 +2507,7 @@
           <p:cNvPr id="3" name="图片占位符 2">
             <a:extLst>
               <a:ext uri="{FF2B5EF4-FFF2-40B4-BE49-F238E27FC236}">
-                <a16:creationId xmlns:a16="http://schemas.microsoft.com/office/drawing/2014/main" id="{1119F73F-2800-9214-7391-B87CDA799A09}"/>
+                <a16:creationId xmlns:a16="http://schemas.microsoft.com/office/drawing/2014/main" id="{40F80039-66E8-DC73-5AC6-3393D872BD25}"/>
               </a:ext>
             </a:extLst>
           </p:cNvPr>
@@ -2574,7 +2574,7 @@
           <p:cNvPr id="4" name="文本占位符 3">
             <a:extLst>
               <a:ext uri="{FF2B5EF4-FFF2-40B4-BE49-F238E27FC236}">
-                <a16:creationId xmlns:a16="http://schemas.microsoft.com/office/drawing/2014/main" id="{3AB77062-8FBC-5FCE-F2FD-E1E071576327}"/>
+                <a16:creationId xmlns:a16="http://schemas.microsoft.com/office/drawing/2014/main" id="{1B048C65-0F05-DF49-CBCF-93559B4E08C9}"/>
               </a:ext>
             </a:extLst>
           </p:cNvPr>
@@ -2645,7 +2645,7 @@
           <p:cNvPr id="5" name="日期占位符 4">
             <a:extLst>
               <a:ext uri="{FF2B5EF4-FFF2-40B4-BE49-F238E27FC236}">
-                <a16:creationId xmlns:a16="http://schemas.microsoft.com/office/drawing/2014/main" id="{217A0237-6807-A65F-F541-2078DDA71EE9}"/>
+                <a16:creationId xmlns:a16="http://schemas.microsoft.com/office/drawing/2014/main" id="{39087B0D-CD57-C8A2-7119-6FCC14B08042}"/>
               </a:ext>
             </a:extLst>
           </p:cNvPr>
@@ -2661,7 +2661,7 @@
           <a:bodyPr/>
           <a:lstStyle/>
           <a:p>
-            <a:fld id="{DE1C3FB4-98D9-49C5-9536-149CC8AEEA52}" type="datetimeFigureOut">
+            <a:fld id="{D33DD0AA-9731-4432-A050-35CCF0EB601E}" type="datetimeFigureOut">
               <a:rPr lang="zh-CN" altLang="en-US" smtClean="0"/>
               <a:t>2024/3/10</a:t>
             </a:fld>
@@ -2674,7 +2674,7 @@
           <p:cNvPr id="6" name="页脚占位符 5">
             <a:extLst>
               <a:ext uri="{FF2B5EF4-FFF2-40B4-BE49-F238E27FC236}">
-                <a16:creationId xmlns:a16="http://schemas.microsoft.com/office/drawing/2014/main" id="{88C1E00F-5E8F-3F7D-00C1-08C092C38AE7}"/>
+                <a16:creationId xmlns:a16="http://schemas.microsoft.com/office/drawing/2014/main" id="{59E81603-A5BA-8383-562E-BF572232FCC1}"/>
               </a:ext>
             </a:extLst>
           </p:cNvPr>
@@ -2699,7 +2699,7 @@
           <p:cNvPr id="7" name="灯片编号占位符 6">
             <a:extLst>
               <a:ext uri="{FF2B5EF4-FFF2-40B4-BE49-F238E27FC236}">
-                <a16:creationId xmlns:a16="http://schemas.microsoft.com/office/drawing/2014/main" id="{8F35EFE9-0F83-5782-1A90-7FA71113BF62}"/>
+                <a16:creationId xmlns:a16="http://schemas.microsoft.com/office/drawing/2014/main" id="{0C3D055A-B0A2-1E33-5F00-B591B150277C}"/>
               </a:ext>
             </a:extLst>
           </p:cNvPr>
@@ -2715,7 +2715,7 @@
           <a:bodyPr/>
           <a:lstStyle/>
           <a:p>
-            <a:fld id="{29A3F1A0-99BD-4FD6-A9AB-E0D6415B89D5}" type="slidenum">
+            <a:fld id="{45122842-DC05-40F5-974E-BE84BF7CB340}" type="slidenum">
               <a:rPr lang="zh-CN" altLang="en-US" smtClean="0"/>
               <a:t>‹#›</a:t>
             </a:fld>
@@ -2726,7 +2726,7 @@
     </p:spTree>
     <p:extLst>
       <p:ext uri="{BB962C8B-B14F-4D97-AF65-F5344CB8AC3E}">
-        <p14:creationId xmlns:p14="http://schemas.microsoft.com/office/powerpoint/2010/main" val="582063879"/>
+        <p14:creationId xmlns:p14="http://schemas.microsoft.com/office/powerpoint/2010/main" val="3493701000"/>
       </p:ext>
     </p:extLst>
   </p:cSld>
@@ -2763,7 +2763,7 @@
           <p:cNvPr id="2" name="标题占位符 1">
             <a:extLst>
               <a:ext uri="{FF2B5EF4-FFF2-40B4-BE49-F238E27FC236}">
-                <a16:creationId xmlns:a16="http://schemas.microsoft.com/office/drawing/2014/main" id="{FCFAB0EA-2739-9498-7846-A00C0331F34D}"/>
+                <a16:creationId xmlns:a16="http://schemas.microsoft.com/office/drawing/2014/main" id="{9D75C020-41EE-FEA7-9BC8-957BAC401390}"/>
               </a:ext>
             </a:extLst>
           </p:cNvPr>
@@ -2801,7 +2801,7 @@
           <p:cNvPr id="3" name="文本占位符 2">
             <a:extLst>
               <a:ext uri="{FF2B5EF4-FFF2-40B4-BE49-F238E27FC236}">
-                <a16:creationId xmlns:a16="http://schemas.microsoft.com/office/drawing/2014/main" id="{5936E206-46C9-DD72-81E8-6A51B5870DDC}"/>
+                <a16:creationId xmlns:a16="http://schemas.microsoft.com/office/drawing/2014/main" id="{8242C6C0-28C3-4D9E-25CD-741E32709A98}"/>
               </a:ext>
             </a:extLst>
           </p:cNvPr>
@@ -2868,7 +2868,7 @@
           <p:cNvPr id="4" name="日期占位符 3">
             <a:extLst>
               <a:ext uri="{FF2B5EF4-FFF2-40B4-BE49-F238E27FC236}">
-                <a16:creationId xmlns:a16="http://schemas.microsoft.com/office/drawing/2014/main" id="{C846B392-4681-B61A-B3E5-7BD1D92293D9}"/>
+                <a16:creationId xmlns:a16="http://schemas.microsoft.com/office/drawing/2014/main" id="{6DE9F09F-5F41-A52D-415B-0B2BA728EF26}"/>
               </a:ext>
             </a:extLst>
           </p:cNvPr>
@@ -2902,7 +2902,7 @@
             </a:lvl1pPr>
           </a:lstStyle>
           <a:p>
-            <a:fld id="{DE1C3FB4-98D9-49C5-9536-149CC8AEEA52}" type="datetimeFigureOut">
+            <a:fld id="{D33DD0AA-9731-4432-A050-35CCF0EB601E}" type="datetimeFigureOut">
               <a:rPr lang="zh-CN" altLang="en-US" smtClean="0"/>
               <a:t>2024/3/10</a:t>
             </a:fld>
@@ -2915,7 +2915,7 @@
           <p:cNvPr id="5" name="页脚占位符 4">
             <a:extLst>
               <a:ext uri="{FF2B5EF4-FFF2-40B4-BE49-F238E27FC236}">
-                <a16:creationId xmlns:a16="http://schemas.microsoft.com/office/drawing/2014/main" id="{1FD2227F-D81F-06D1-0EDB-27935B754731}"/>
+                <a16:creationId xmlns:a16="http://schemas.microsoft.com/office/drawing/2014/main" id="{A22AB7B3-36E8-728E-D252-0447E36349E5}"/>
               </a:ext>
             </a:extLst>
           </p:cNvPr>
@@ -2958,7 +2958,7 @@
           <p:cNvPr id="6" name="灯片编号占位符 5">
             <a:extLst>
               <a:ext uri="{FF2B5EF4-FFF2-40B4-BE49-F238E27FC236}">
-                <a16:creationId xmlns:a16="http://schemas.microsoft.com/office/drawing/2014/main" id="{5055B277-6326-DB36-503B-1BC2D1C1FCF0}"/>
+                <a16:creationId xmlns:a16="http://schemas.microsoft.com/office/drawing/2014/main" id="{229485C5-10CB-9BCD-A54D-2354C1733574}"/>
               </a:ext>
             </a:extLst>
           </p:cNvPr>
@@ -2992,7 +2992,7 @@
             </a:lvl1pPr>
           </a:lstStyle>
           <a:p>
-            <a:fld id="{29A3F1A0-99BD-4FD6-A9AB-E0D6415B89D5}" type="slidenum">
+            <a:fld id="{45122842-DC05-40F5-974E-BE84BF7CB340}" type="slidenum">
               <a:rPr lang="zh-CN" altLang="en-US" smtClean="0"/>
               <a:t>‹#›</a:t>
             </a:fld>
@@ -3003,7 +3003,7 @@
     </p:spTree>
     <p:extLst>
       <p:ext uri="{BB962C8B-B14F-4D97-AF65-F5344CB8AC3E}">
-        <p14:creationId xmlns:p14="http://schemas.microsoft.com/office/powerpoint/2010/main" val="340098461"/>
+        <p14:creationId xmlns:p14="http://schemas.microsoft.com/office/powerpoint/2010/main" val="435196316"/>
       </p:ext>
     </p:extLst>
   </p:cSld>
